--- a/eda-in-excel-slides.pptx
+++ b/eda-in-excel-slides.pptx
@@ -3874,7 +3874,7 @@
       </p:grpSpPr>
       <p:pic>
         <p:nvPicPr>
-          <p:cNvPr id="10" name="Picture 9"/>
+          <p:cNvPr id="4" name="Picture 3"/>
           <p:cNvPicPr>
             <a:picLocks noChangeAspect="1"/>
           </p:cNvPicPr>
@@ -3888,22 +3888,63 @@
               </a:ext>
             </a:extLst>
           </a:blip>
-          <a:srcRect/>
-          <a:stretch/>
+          <a:stretch>
+            <a:fillRect/>
+          </a:stretch>
         </p:blipFill>
         <p:spPr>
           <a:xfrm>
-            <a:off x="9028530" y="3233394"/>
-            <a:ext cx="3163469" cy="3623879"/>
+            <a:off x="-538496" y="-2482770"/>
+            <a:ext cx="10171472" cy="7459883"/>
           </a:xfrm>
           <a:prstGeom prst="rect">
             <a:avLst/>
           </a:prstGeom>
         </p:spPr>
       </p:pic>
+      <p:sp>
+        <p:nvSpPr>
+          <p:cNvPr id="11" name="TextBox 10"/>
+          <p:cNvSpPr txBox="1"/>
+          <p:nvPr/>
+        </p:nvSpPr>
+        <p:spPr>
+          <a:xfrm>
+            <a:off x="324091" y="1687545"/>
+            <a:ext cx="7986531" cy="1200329"/>
+          </a:xfrm>
+          <a:prstGeom prst="rect">
+            <a:avLst/>
+          </a:prstGeom>
+          <a:noFill/>
+        </p:spPr>
+        <p:txBody>
+          <a:bodyPr wrap="square" rtlCol="0">
+            <a:spAutoFit/>
+          </a:bodyPr>
+          <a:lstStyle/>
+          <a:p>
+            <a:r>
+              <a:rPr lang="en-US" sz="3600" b="1" dirty="0">
+                <a:solidFill>
+                  <a:srgbClr val="CF3338"/>
+                </a:solidFill>
+                <a:latin typeface="Pragmatica" panose="020B0403040502020204" pitchFamily="34" charset="0"/>
+              </a:rPr>
+              <a:t>Introducing Excel dynamic array functions</a:t>
+            </a:r>
+          </a:p>
+        </p:txBody>
+      </p:sp>
       <p:pic>
         <p:nvPicPr>
-          <p:cNvPr id="4" name="Picture 3"/>
+          <p:cNvPr id="5" name="Picture 4" descr="A panda bear with a red and white sign&#10;&#10;Description automatically generated">
+            <a:extLst>
+              <a:ext uri="{FF2B5EF4-FFF2-40B4-BE49-F238E27FC236}">
+                <a16:creationId xmlns:a16="http://schemas.microsoft.com/office/drawing/2014/main" id="{B1B8735B-4CD0-86A8-DA92-006FA59B7C21}"/>
+              </a:ext>
+            </a:extLst>
+          </p:cNvPr>
           <p:cNvPicPr>
             <a:picLocks noChangeAspect="1"/>
           </p:cNvPicPr>
@@ -3923,54 +3964,20 @@
         </p:blipFill>
         <p:spPr>
           <a:xfrm>
-            <a:off x="-538496" y="-2482770"/>
-            <a:ext cx="10171472" cy="7459883"/>
+            <a:off x="762" y="143285"/>
+            <a:ext cx="12190476" cy="6571429"/>
           </a:xfrm>
           <a:prstGeom prst="rect">
             <a:avLst/>
           </a:prstGeom>
         </p:spPr>
       </p:pic>
-      <p:sp>
-        <p:nvSpPr>
-          <p:cNvPr id="11" name="TextBox 10"/>
-          <p:cNvSpPr txBox="1"/>
-          <p:nvPr/>
-        </p:nvSpPr>
-        <p:spPr>
-          <a:xfrm>
-            <a:off x="324091" y="1687545"/>
-            <a:ext cx="7986531" cy="1200329"/>
-          </a:xfrm>
-          <a:prstGeom prst="rect">
-            <a:avLst/>
-          </a:prstGeom>
-          <a:noFill/>
-        </p:spPr>
-        <p:txBody>
-          <a:bodyPr wrap="square" rtlCol="0">
-            <a:spAutoFit/>
-          </a:bodyPr>
-          <a:lstStyle/>
-          <a:p>
-            <a:r>
-              <a:rPr lang="en-US" sz="3600" b="1" dirty="0">
-                <a:solidFill>
-                  <a:srgbClr val="CF3338"/>
-                </a:solidFill>
-                <a:latin typeface="Pragmatica" panose="020B0403040502020204" pitchFamily="34" charset="0"/>
-              </a:rPr>
-              <a:t>Introducing Excel dynamic array functions</a:t>
-            </a:r>
-          </a:p>
-        </p:txBody>
-      </p:sp>
       <p:pic>
         <p:nvPicPr>
-          <p:cNvPr id="5" name="Picture 4" descr="A panda bear with a red and white sign&#10;&#10;Description automatically generated">
+          <p:cNvPr id="3" name="Picture 2" descr="A snake on a computer screen&#10;&#10;Description automatically generated">
             <a:extLst>
               <a:ext uri="{FF2B5EF4-FFF2-40B4-BE49-F238E27FC236}">
-                <a16:creationId xmlns:a16="http://schemas.microsoft.com/office/drawing/2014/main" id="{B1B8735B-4CD0-86A8-DA92-006FA59B7C21}"/>
+                <a16:creationId xmlns:a16="http://schemas.microsoft.com/office/drawing/2014/main" id="{1B69C3EB-9586-F1C6-3E53-DDE32EC794A6}"/>
               </a:ext>
             </a:extLst>
           </p:cNvPr>
@@ -4003,10 +4010,10 @@
       </p:pic>
       <p:pic>
         <p:nvPicPr>
-          <p:cNvPr id="3" name="Picture 2" descr="A snake on a computer screen&#10;&#10;Description automatically generated">
+          <p:cNvPr id="6" name="Picture 5" descr="A close-up of a graph&#10;&#10;Description automatically generated">
             <a:extLst>
               <a:ext uri="{FF2B5EF4-FFF2-40B4-BE49-F238E27FC236}">
-                <a16:creationId xmlns:a16="http://schemas.microsoft.com/office/drawing/2014/main" id="{1B69C3EB-9586-F1C6-3E53-DDE32EC794A6}"/>
+                <a16:creationId xmlns:a16="http://schemas.microsoft.com/office/drawing/2014/main" id="{8F8686B7-68C5-68EB-0F6B-3F82B3BACB91}"/>
               </a:ext>
             </a:extLst>
           </p:cNvPr>
@@ -5628,7 +5635,7 @@
         <p:spPr>
           <a:xfrm>
             <a:off x="347240" y="2127965"/>
-            <a:ext cx="9595413" cy="2246769"/>
+            <a:ext cx="9595413" cy="1384995"/>
           </a:xfrm>
           <a:prstGeom prst="rect">
             <a:avLst/>
@@ -5645,6 +5652,32 @@
               <a:buFont typeface="Arial" panose="020B0604020202020204" pitchFamily="34" charset="0"/>
               <a:buChar char="•"/>
             </a:pPr>
+            <a:r>
+              <a:rPr lang="en-US" sz="2800" b="0" i="0" dirty="0">
+                <a:solidFill>
+                  <a:srgbClr val="6F7287"/>
+                </a:solidFill>
+                <a:effectLst/>
+                <a:latin typeface="Neue Plak"/>
+              </a:rPr>
+              <a:t>Prepare, profile and analyze data in Excel workbooks</a:t>
+            </a:r>
+          </a:p>
+          <a:p>
+            <a:pPr marL="457200" indent="-457200" algn="l">
+              <a:buFont typeface="Arial" panose="020B0604020202020204" pitchFamily="34" charset="0"/>
+              <a:buChar char="•"/>
+            </a:pPr>
+            <a:r>
+              <a:rPr lang="en-US" sz="2800" b="0" i="0" dirty="0">
+                <a:solidFill>
+                  <a:srgbClr val="6F7287"/>
+                </a:solidFill>
+                <a:effectLst/>
+                <a:latin typeface="Neue Plak"/>
+              </a:rPr>
+              <a:t>Hack PivotTables and </a:t>
+            </a:r>
             <a:r>
               <a:rPr lang="en-US" sz="2800" b="0" i="0" dirty="0" err="1">
                 <a:solidFill>
@@ -5653,7 +5686,7 @@
                 <a:effectLst/>
                 <a:latin typeface="Neue Plak"/>
               </a:rPr>
-              <a:t>H﻿ow</a:t>
+              <a:t>PivotCharts</a:t>
             </a:r>
             <a:r>
               <a:rPr lang="en-US" sz="2800" b="0" i="0" dirty="0">
@@ -5663,7 +5696,7 @@
                 <a:effectLst/>
                 <a:latin typeface="Neue Plak"/>
               </a:rPr>
-              <a:t> to read data from Excel into Python... and write it out again</a:t>
+              <a:t> for compelling analysis</a:t>
             </a:r>
           </a:p>
           <a:p>
@@ -5679,24 +5712,25 @@
                 <a:effectLst/>
                 <a:latin typeface="Neue Plak"/>
               </a:rPr>
-              <a:t>How to conduct in-depth data profiling in Python</a:t>
-            </a:r>
-          </a:p>
-          <a:p>
-            <a:pPr marL="457200" indent="-457200" algn="l">
-              <a:buFont typeface="Arial" panose="020B0604020202020204" pitchFamily="34" charset="0"/>
-              <a:buChar char="•"/>
-            </a:pPr>
-            <a:r>
-              <a:rPr lang="en-US" sz="2800" b="0" i="0" dirty="0">
+              <a:t>Discover point-and-click analytics with the Analysis </a:t>
+            </a:r>
+            <a:r>
+              <a:rPr lang="en-US" sz="2800" b="0" i="0" dirty="0" err="1">
                 <a:solidFill>
                   <a:srgbClr val="6F7287"/>
                 </a:solidFill>
                 <a:effectLst/>
                 <a:latin typeface="Neue Plak"/>
               </a:rPr>
-              <a:t>How to use Pandas for tasks that are difficult to do in Excel or Power Query</a:t>
-            </a:r>
+              <a:t>ToolPak</a:t>
+            </a:r>
+            <a:endParaRPr lang="en-US" sz="2800" b="0" i="0" dirty="0">
+              <a:solidFill>
+                <a:srgbClr val="6F7287"/>
+              </a:solidFill>
+              <a:effectLst/>
+              <a:latin typeface="Neue Plak"/>
+            </a:endParaRPr>
           </a:p>
         </p:txBody>
       </p:sp>
@@ -5834,14 +5868,17 @@
                 <a:latin typeface="Pragmatica" panose="020B0403040502020204" pitchFamily="34" charset="0"/>
                 <a:hlinkClick r:id="rId2"/>
               </a:rPr>
-              <a:t>https://swiy.co/FW59</a:t>
-            </a:r>
-            <a:endParaRPr lang="en-US" sz="2800" dirty="0">
-              <a:solidFill>
-                <a:srgbClr val="707070"/>
-              </a:solidFill>
-              <a:latin typeface="Pragmatica" panose="020B0403040502020204" pitchFamily="34" charset="0"/>
-            </a:endParaRPr>
+              <a:t>https://swiy.co/FW5w</a:t>
+            </a:r>
+            <a:r>
+              <a:rPr lang="en-US" sz="2800" dirty="0">
+                <a:solidFill>
+                  <a:srgbClr val="707070"/>
+                </a:solidFill>
+                <a:latin typeface="Pragmatica" panose="020B0403040502020204" pitchFamily="34" charset="0"/>
+              </a:rPr>
+              <a:t>  </a:t>
+            </a:r>
           </a:p>
           <a:p>
             <a:pPr marL="457200" indent="-457200">
